--- a/CRML_FinalPoster.pptx
+++ b/CRML_FinalPoster.pptx
@@ -6043,7 +6043,7 @@
                 <a:latin typeface="Arial" panose="020B0604020202020204" pitchFamily="34" charset="0"/>
                 <a:cs typeface="Arial" panose="020B0604020202020204" pitchFamily="34" charset="0"/>
               </a:rPr>
-              <a:t>September 2016</a:t>
+              <a:t>March 2023</a:t>
             </a:r>
           </a:p>
         </p:txBody>

--- a/CRML_FinalPoster.pptx
+++ b/CRML_FinalPoster.pptx
@@ -4247,7 +4247,7 @@
               <a:defRPr/>
             </a:pPr>
             <a:r>
-              <a:rPr lang="en-US" sz="4800" b="0" kern="0" dirty="0">
+              <a:rPr lang="en-US" sz="4800" kern="0" dirty="0">
                 <a:solidFill>
                   <a:schemeClr val="bg1"/>
                 </a:solidFill>
@@ -4256,7 +4256,7 @@
               </a:rPr>
               <a:t>Simulation Results</a:t>
             </a:r>
-            <a:endParaRPr lang="he-IL" sz="4800" b="0" kern="0" dirty="0">
+            <a:endParaRPr lang="he-IL" sz="4800" kern="0" dirty="0">
               <a:solidFill>
                 <a:srgbClr val="FFFFFF"/>
               </a:solidFill>
@@ -4545,12 +4545,12 @@
               <a:buChar char="•"/>
             </a:pPr>
             <a:r>
-              <a:rPr lang="en-IL" sz="4000" b="0" dirty="0">
+              <a:rPr lang="en-IL" sz="4000" b="0">
                 <a:solidFill>
                   <a:schemeClr val="tx1"/>
                 </a:solidFill>
               </a:rPr>
-              <a:t>After a </a:t>
+              <a:t>After Certain </a:t>
             </a:r>
             <a:r>
               <a:rPr lang="en-US" sz="4000" b="0" dirty="0">

--- a/CRML_FinalPoster.pptx
+++ b/CRML_FinalPoster.pptx
@@ -4484,8 +4484,8 @@
         </p:nvSpPr>
         <p:spPr bwMode="auto">
           <a:xfrm>
-            <a:off x="900000" y="9935890"/>
-            <a:ext cx="9100460" cy="10700818"/>
+            <a:off x="900000" y="9935889"/>
+            <a:ext cx="9100460" cy="11012283"/>
           </a:xfrm>
           <a:prstGeom prst="rect">
             <a:avLst/>
@@ -4532,7 +4532,23 @@
                   <a:schemeClr val="tx1"/>
                 </a:solidFill>
               </a:rPr>
-              <a:t>T4 Robot equipped with sensors like IMU with used to help the robot drive on the surface of the solar panel during the cleaning process.</a:t>
+              <a:t>Solar cleaning Robots are equipped with sensors like </a:t>
+            </a:r>
+            <a:r>
+              <a:rPr lang="en-IL" sz="4000" b="0">
+                <a:solidFill>
+                  <a:schemeClr val="tx1"/>
+                </a:solidFill>
+              </a:rPr>
+              <a:t>IMU that is </a:t>
+            </a:r>
+            <a:r>
+              <a:rPr lang="en-IL" sz="4000" b="0" dirty="0">
+                <a:solidFill>
+                  <a:schemeClr val="tx1"/>
+                </a:solidFill>
+              </a:rPr>
+              <a:t>used to help the robot drive on the surface of the solar panel during the cleaning process.</a:t>
             </a:r>
           </a:p>
           <a:p>
@@ -4545,7 +4561,7 @@
               <a:buChar char="•"/>
             </a:pPr>
             <a:r>
-              <a:rPr lang="en-IL" sz="4000" b="0">
+              <a:rPr lang="en-IL" sz="4000" b="0" dirty="0">
                 <a:solidFill>
                   <a:schemeClr val="tx1"/>
                 </a:solidFill>
@@ -4602,7 +4618,7 @@
                   <a:schemeClr val="tx1"/>
                 </a:solidFill>
               </a:rPr>
-              <a:t>Our solution uses semantic segmentation to help T4 Robot localize and map the solar array in Real Time</a:t>
+              <a:t>Our solution uses semantic segmentation to help the Robot localize and map the solar array in Real Time</a:t>
             </a:r>
           </a:p>
           <a:p>
@@ -4649,7 +4665,7 @@
         </p:nvSpPr>
         <p:spPr bwMode="auto">
           <a:xfrm>
-            <a:off x="943750" y="20689336"/>
+            <a:off x="943312" y="21194970"/>
             <a:ext cx="5523461" cy="1009048"/>
           </a:xfrm>
           <a:prstGeom prst="rect">
@@ -4707,7 +4723,7 @@
         </p:nvSpPr>
         <p:spPr bwMode="auto">
           <a:xfrm>
-            <a:off x="786928" y="21855589"/>
+            <a:off x="786490" y="22361223"/>
             <a:ext cx="8820000" cy="4194491"/>
           </a:xfrm>
           <a:prstGeom prst="rect">
